--- a/AI/动作生成/创新点探究/动作生成Motivation.pptx
+++ b/AI/动作生成/创新点探究/动作生成Motivation.pptx
@@ -262,7 +262,7 @@
           <a:p>
             <a:fld id="{141F205C-E85D-4B8F-9304-59A1D411154E}" type="datetimeFigureOut">
               <a:rPr lang="zh-CN" altLang="en-US" smtClean="0"/>
-              <a:t>2025/5/14</a:t>
+              <a:t>2025/5/15</a:t>
             </a:fld>
             <a:endParaRPr lang="zh-CN" altLang="en-US"/>
           </a:p>
@@ -460,7 +460,7 @@
           <a:p>
             <a:fld id="{141F205C-E85D-4B8F-9304-59A1D411154E}" type="datetimeFigureOut">
               <a:rPr lang="zh-CN" altLang="en-US" smtClean="0"/>
-              <a:t>2025/5/14</a:t>
+              <a:t>2025/5/15</a:t>
             </a:fld>
             <a:endParaRPr lang="zh-CN" altLang="en-US"/>
           </a:p>
@@ -668,7 +668,7 @@
           <a:p>
             <a:fld id="{141F205C-E85D-4B8F-9304-59A1D411154E}" type="datetimeFigureOut">
               <a:rPr lang="zh-CN" altLang="en-US" smtClean="0"/>
-              <a:t>2025/5/14</a:t>
+              <a:t>2025/5/15</a:t>
             </a:fld>
             <a:endParaRPr lang="zh-CN" altLang="en-US"/>
           </a:p>
@@ -866,7 +866,7 @@
           <a:p>
             <a:fld id="{141F205C-E85D-4B8F-9304-59A1D411154E}" type="datetimeFigureOut">
               <a:rPr lang="zh-CN" altLang="en-US" smtClean="0"/>
-              <a:t>2025/5/14</a:t>
+              <a:t>2025/5/15</a:t>
             </a:fld>
             <a:endParaRPr lang="zh-CN" altLang="en-US"/>
           </a:p>
@@ -1141,7 +1141,7 @@
           <a:p>
             <a:fld id="{141F205C-E85D-4B8F-9304-59A1D411154E}" type="datetimeFigureOut">
               <a:rPr lang="zh-CN" altLang="en-US" smtClean="0"/>
-              <a:t>2025/5/14</a:t>
+              <a:t>2025/5/15</a:t>
             </a:fld>
             <a:endParaRPr lang="zh-CN" altLang="en-US"/>
           </a:p>
@@ -1406,7 +1406,7 @@
           <a:p>
             <a:fld id="{141F205C-E85D-4B8F-9304-59A1D411154E}" type="datetimeFigureOut">
               <a:rPr lang="zh-CN" altLang="en-US" smtClean="0"/>
-              <a:t>2025/5/14</a:t>
+              <a:t>2025/5/15</a:t>
             </a:fld>
             <a:endParaRPr lang="zh-CN" altLang="en-US"/>
           </a:p>
@@ -1818,7 +1818,7 @@
           <a:p>
             <a:fld id="{141F205C-E85D-4B8F-9304-59A1D411154E}" type="datetimeFigureOut">
               <a:rPr lang="zh-CN" altLang="en-US" smtClean="0"/>
-              <a:t>2025/5/14</a:t>
+              <a:t>2025/5/15</a:t>
             </a:fld>
             <a:endParaRPr lang="zh-CN" altLang="en-US"/>
           </a:p>
@@ -1959,7 +1959,7 @@
           <a:p>
             <a:fld id="{141F205C-E85D-4B8F-9304-59A1D411154E}" type="datetimeFigureOut">
               <a:rPr lang="zh-CN" altLang="en-US" smtClean="0"/>
-              <a:t>2025/5/14</a:t>
+              <a:t>2025/5/15</a:t>
             </a:fld>
             <a:endParaRPr lang="zh-CN" altLang="en-US"/>
           </a:p>
@@ -2072,7 +2072,7 @@
           <a:p>
             <a:fld id="{141F205C-E85D-4B8F-9304-59A1D411154E}" type="datetimeFigureOut">
               <a:rPr lang="zh-CN" altLang="en-US" smtClean="0"/>
-              <a:t>2025/5/14</a:t>
+              <a:t>2025/5/15</a:t>
             </a:fld>
             <a:endParaRPr lang="zh-CN" altLang="en-US"/>
           </a:p>
@@ -2383,7 +2383,7 @@
           <a:p>
             <a:fld id="{141F205C-E85D-4B8F-9304-59A1D411154E}" type="datetimeFigureOut">
               <a:rPr lang="zh-CN" altLang="en-US" smtClean="0"/>
-              <a:t>2025/5/14</a:t>
+              <a:t>2025/5/15</a:t>
             </a:fld>
             <a:endParaRPr lang="zh-CN" altLang="en-US"/>
           </a:p>
@@ -2671,7 +2671,7 @@
           <a:p>
             <a:fld id="{141F205C-E85D-4B8F-9304-59A1D411154E}" type="datetimeFigureOut">
               <a:rPr lang="zh-CN" altLang="en-US" smtClean="0"/>
-              <a:t>2025/5/14</a:t>
+              <a:t>2025/5/15</a:t>
             </a:fld>
             <a:endParaRPr lang="zh-CN" altLang="en-US"/>
           </a:p>
@@ -2912,7 +2912,7 @@
           <a:p>
             <a:fld id="{141F205C-E85D-4B8F-9304-59A1D411154E}" type="datetimeFigureOut">
               <a:rPr lang="zh-CN" altLang="en-US" smtClean="0"/>
-              <a:t>2025/5/14</a:t>
+              <a:t>2025/5/15</a:t>
             </a:fld>
             <a:endParaRPr lang="zh-CN" altLang="en-US"/>
           </a:p>

--- a/AI/动作生成/创新点探究/动作生成Motivation.pptx
+++ b/AI/动作生成/创新点探究/动作生成Motivation.pptx
@@ -9,6 +9,9 @@
     <p:sldId id="257" r:id="rId3"/>
     <p:sldId id="258" r:id="rId4"/>
     <p:sldId id="259" r:id="rId5"/>
+    <p:sldId id="261" r:id="rId6"/>
+    <p:sldId id="260" r:id="rId7"/>
+    <p:sldId id="262" r:id="rId8"/>
   </p:sldIdLst>
   <p:sldSz cx="12192000" cy="6858000"/>
   <p:notesSz cx="6858000" cy="9144000"/>
@@ -262,7 +265,7 @@
           <a:p>
             <a:fld id="{141F205C-E85D-4B8F-9304-59A1D411154E}" type="datetimeFigureOut">
               <a:rPr lang="zh-CN" altLang="en-US" smtClean="0"/>
-              <a:t>2025/5/15</a:t>
+              <a:t>2025/5/22</a:t>
             </a:fld>
             <a:endParaRPr lang="zh-CN" altLang="en-US"/>
           </a:p>
@@ -460,7 +463,7 @@
           <a:p>
             <a:fld id="{141F205C-E85D-4B8F-9304-59A1D411154E}" type="datetimeFigureOut">
               <a:rPr lang="zh-CN" altLang="en-US" smtClean="0"/>
-              <a:t>2025/5/15</a:t>
+              <a:t>2025/5/22</a:t>
             </a:fld>
             <a:endParaRPr lang="zh-CN" altLang="en-US"/>
           </a:p>
@@ -668,7 +671,7 @@
           <a:p>
             <a:fld id="{141F205C-E85D-4B8F-9304-59A1D411154E}" type="datetimeFigureOut">
               <a:rPr lang="zh-CN" altLang="en-US" smtClean="0"/>
-              <a:t>2025/5/15</a:t>
+              <a:t>2025/5/22</a:t>
             </a:fld>
             <a:endParaRPr lang="zh-CN" altLang="en-US"/>
           </a:p>
@@ -866,7 +869,7 @@
           <a:p>
             <a:fld id="{141F205C-E85D-4B8F-9304-59A1D411154E}" type="datetimeFigureOut">
               <a:rPr lang="zh-CN" altLang="en-US" smtClean="0"/>
-              <a:t>2025/5/15</a:t>
+              <a:t>2025/5/22</a:t>
             </a:fld>
             <a:endParaRPr lang="zh-CN" altLang="en-US"/>
           </a:p>
@@ -1141,7 +1144,7 @@
           <a:p>
             <a:fld id="{141F205C-E85D-4B8F-9304-59A1D411154E}" type="datetimeFigureOut">
               <a:rPr lang="zh-CN" altLang="en-US" smtClean="0"/>
-              <a:t>2025/5/15</a:t>
+              <a:t>2025/5/22</a:t>
             </a:fld>
             <a:endParaRPr lang="zh-CN" altLang="en-US"/>
           </a:p>
@@ -1406,7 +1409,7 @@
           <a:p>
             <a:fld id="{141F205C-E85D-4B8F-9304-59A1D411154E}" type="datetimeFigureOut">
               <a:rPr lang="zh-CN" altLang="en-US" smtClean="0"/>
-              <a:t>2025/5/15</a:t>
+              <a:t>2025/5/22</a:t>
             </a:fld>
             <a:endParaRPr lang="zh-CN" altLang="en-US"/>
           </a:p>
@@ -1818,7 +1821,7 @@
           <a:p>
             <a:fld id="{141F205C-E85D-4B8F-9304-59A1D411154E}" type="datetimeFigureOut">
               <a:rPr lang="zh-CN" altLang="en-US" smtClean="0"/>
-              <a:t>2025/5/15</a:t>
+              <a:t>2025/5/22</a:t>
             </a:fld>
             <a:endParaRPr lang="zh-CN" altLang="en-US"/>
           </a:p>
@@ -1959,7 +1962,7 @@
           <a:p>
             <a:fld id="{141F205C-E85D-4B8F-9304-59A1D411154E}" type="datetimeFigureOut">
               <a:rPr lang="zh-CN" altLang="en-US" smtClean="0"/>
-              <a:t>2025/5/15</a:t>
+              <a:t>2025/5/22</a:t>
             </a:fld>
             <a:endParaRPr lang="zh-CN" altLang="en-US"/>
           </a:p>
@@ -2072,7 +2075,7 @@
           <a:p>
             <a:fld id="{141F205C-E85D-4B8F-9304-59A1D411154E}" type="datetimeFigureOut">
               <a:rPr lang="zh-CN" altLang="en-US" smtClean="0"/>
-              <a:t>2025/5/15</a:t>
+              <a:t>2025/5/22</a:t>
             </a:fld>
             <a:endParaRPr lang="zh-CN" altLang="en-US"/>
           </a:p>
@@ -2383,7 +2386,7 @@
           <a:p>
             <a:fld id="{141F205C-E85D-4B8F-9304-59A1D411154E}" type="datetimeFigureOut">
               <a:rPr lang="zh-CN" altLang="en-US" smtClean="0"/>
-              <a:t>2025/5/15</a:t>
+              <a:t>2025/5/22</a:t>
             </a:fld>
             <a:endParaRPr lang="zh-CN" altLang="en-US"/>
           </a:p>
@@ -2671,7 +2674,7 @@
           <a:p>
             <a:fld id="{141F205C-E85D-4B8F-9304-59A1D411154E}" type="datetimeFigureOut">
               <a:rPr lang="zh-CN" altLang="en-US" smtClean="0"/>
-              <a:t>2025/5/15</a:t>
+              <a:t>2025/5/22</a:t>
             </a:fld>
             <a:endParaRPr lang="zh-CN" altLang="en-US"/>
           </a:p>
@@ -2912,7 +2915,7 @@
           <a:p>
             <a:fld id="{141F205C-E85D-4B8F-9304-59A1D411154E}" type="datetimeFigureOut">
               <a:rPr lang="zh-CN" altLang="en-US" smtClean="0"/>
-              <a:t>2025/5/15</a:t>
+              <a:t>2025/5/22</a:t>
             </a:fld>
             <a:endParaRPr lang="zh-CN" altLang="en-US"/>
           </a:p>
@@ -4787,6 +4790,845 @@
 </p:sld>
 </file>
 
+<file path=ppt/slides/slide5.xml><?xml version="1.0" encoding="utf-8"?>
+<p:sld xmlns:a="http://schemas.openxmlformats.org/drawingml/2006/main" xmlns:r="http://schemas.openxmlformats.org/officeDocument/2006/relationships" xmlns:p="http://schemas.openxmlformats.org/presentationml/2006/main">
+  <p:cSld>
+    <p:spTree>
+      <p:nvGrpSpPr>
+        <p:cNvPr id="1" name="">
+          <a:extLst>
+            <a:ext uri="{FF2B5EF4-FFF2-40B4-BE49-F238E27FC236}">
+              <a16:creationId xmlns:a16="http://schemas.microsoft.com/office/drawing/2014/main" id="{CC13F52D-D661-1ED2-865C-95785E858653}"/>
+            </a:ext>
+          </a:extLst>
+        </p:cNvPr>
+        <p:cNvGrpSpPr/>
+        <p:nvPr/>
+      </p:nvGrpSpPr>
+      <p:grpSpPr>
+        <a:xfrm>
+          <a:off x="0" y="0"/>
+          <a:ext cx="0" cy="0"/>
+          <a:chOff x="0" y="0"/>
+          <a:chExt cx="0" cy="0"/>
+        </a:xfrm>
+      </p:grpSpPr>
+      <p:sp>
+        <p:nvSpPr>
+          <p:cNvPr id="2" name="标题 1">
+            <a:extLst>
+              <a:ext uri="{FF2B5EF4-FFF2-40B4-BE49-F238E27FC236}">
+                <a16:creationId xmlns:a16="http://schemas.microsoft.com/office/drawing/2014/main" id="{7283901B-ADDE-1540-B3AE-9D29BE4C770E}"/>
+              </a:ext>
+            </a:extLst>
+          </p:cNvPr>
+          <p:cNvSpPr>
+            <a:spLocks noGrp="1"/>
+          </p:cNvSpPr>
+          <p:nvPr>
+            <p:ph type="title"/>
+          </p:nvPr>
+        </p:nvSpPr>
+        <p:spPr/>
+        <p:txBody>
+          <a:bodyPr>
+            <a:normAutofit/>
+          </a:bodyPr>
+          <a:lstStyle/>
+          <a:p>
+            <a:r>
+              <a:rPr lang="en-US" altLang="zh-CN" sz="3600" b="1"/>
+              <a:t>2025.5.22 </a:t>
+            </a:r>
+            <a:r>
+              <a:rPr lang="zh-CN" altLang="en-US" sz="3600" b="1"/>
+              <a:t>基本</a:t>
+            </a:r>
+            <a:r>
+              <a:rPr lang="en-US" altLang="zh-CN" sz="3600" b="1"/>
+              <a:t>pipeline</a:t>
+            </a:r>
+            <a:r>
+              <a:rPr lang="zh-CN" altLang="en-US" sz="3600" b="1"/>
+              <a:t>和创新点</a:t>
+            </a:r>
+          </a:p>
+        </p:txBody>
+      </p:sp>
+      <p:sp>
+        <p:nvSpPr>
+          <p:cNvPr id="4" name="文本框 3">
+            <a:extLst>
+              <a:ext uri="{FF2B5EF4-FFF2-40B4-BE49-F238E27FC236}">
+                <a16:creationId xmlns:a16="http://schemas.microsoft.com/office/drawing/2014/main" id="{C8EFD42A-C71B-523C-9E65-216108ACF3C7}"/>
+              </a:ext>
+            </a:extLst>
+          </p:cNvPr>
+          <p:cNvSpPr txBox="1"/>
+          <p:nvPr/>
+        </p:nvSpPr>
+        <p:spPr>
+          <a:xfrm>
+            <a:off x="838200" y="1690688"/>
+            <a:ext cx="10292542" cy="4117474"/>
+          </a:xfrm>
+          <a:prstGeom prst="rect">
+            <a:avLst/>
+          </a:prstGeom>
+          <a:noFill/>
+        </p:spPr>
+        <p:txBody>
+          <a:bodyPr wrap="square" rtlCol="0">
+            <a:spAutoFit/>
+          </a:bodyPr>
+          <a:lstStyle/>
+          <a:p>
+            <a:pPr>
+              <a:lnSpc>
+                <a:spcPct val="150000"/>
+              </a:lnSpc>
+            </a:pPr>
+            <a:r>
+              <a:rPr lang="en-US" altLang="zh-CN" sz="1600"/>
+              <a:t>1.</a:t>
+            </a:r>
+            <a:r>
+              <a:rPr lang="zh-CN" altLang="en-US" sz="1600"/>
+              <a:t>任务：</a:t>
+            </a:r>
+            <a:r>
+              <a:rPr lang="zh-CN" altLang="en-US" sz="1600" b="1">
+                <a:solidFill>
+                  <a:srgbClr val="FF0000"/>
+                </a:solidFill>
+              </a:rPr>
+              <a:t>基于视频</a:t>
+            </a:r>
+            <a:r>
+              <a:rPr lang="en-US" altLang="zh-CN" sz="1600" b="1">
+                <a:solidFill>
+                  <a:srgbClr val="FF0000"/>
+                </a:solidFill>
+              </a:rPr>
+              <a:t>/</a:t>
+            </a:r>
+            <a:r>
+              <a:rPr lang="zh-CN" altLang="en-US" sz="1600" b="1">
+                <a:solidFill>
+                  <a:srgbClr val="FF0000"/>
+                </a:solidFill>
+              </a:rPr>
+              <a:t>多模态的动作风格迁移。</a:t>
+            </a:r>
+            <a:r>
+              <a:rPr lang="zh-CN" altLang="en-US" sz="1600"/>
+              <a:t>（重点是聚焦于视频，能捕捉的信息较多）。</a:t>
+            </a:r>
+            <a:endParaRPr lang="en-US" altLang="zh-CN" sz="1600"/>
+          </a:p>
+          <a:p>
+            <a:pPr>
+              <a:lnSpc>
+                <a:spcPct val="150000"/>
+              </a:lnSpc>
+            </a:pPr>
+            <a:r>
+              <a:rPr lang="en-US" altLang="zh-CN" sz="1600"/>
+              <a:t>2.</a:t>
+            </a:r>
+            <a:r>
+              <a:rPr lang="zh-CN" altLang="en-US" sz="1600"/>
+              <a:t>现有工作缺陷：</a:t>
+            </a:r>
+            <a:endParaRPr lang="en-US" altLang="zh-CN" sz="1600"/>
+          </a:p>
+          <a:p>
+            <a:pPr marL="285750" indent="-285750">
+              <a:lnSpc>
+                <a:spcPct val="150000"/>
+              </a:lnSpc>
+              <a:buFontTx/>
+              <a:buChar char="-"/>
+            </a:pPr>
+            <a:r>
+              <a:rPr lang="zh-CN" altLang="en-US" sz="1600"/>
+              <a:t>（</a:t>
+            </a:r>
+            <a:r>
+              <a:rPr lang="en-US" altLang="zh-CN" sz="1600"/>
+              <a:t>1</a:t>
+            </a:r>
+            <a:r>
+              <a:rPr lang="zh-CN" altLang="en-US" sz="1600"/>
+              <a:t>）现有工作基本上的风格都比较简单，比如</a:t>
+            </a:r>
+            <a:r>
+              <a:rPr lang="en-US" altLang="zh-CN" sz="1600"/>
+              <a:t>Style100</a:t>
+            </a:r>
+            <a:r>
+              <a:rPr lang="zh-CN" altLang="en-US" sz="1600"/>
+              <a:t>数据集只有</a:t>
+            </a:r>
+            <a:r>
+              <a:rPr lang="en-US" altLang="zh-CN" sz="1600"/>
+              <a:t>100</a:t>
+            </a:r>
+            <a:r>
+              <a:rPr lang="zh-CN" altLang="en-US" sz="1600"/>
+              <a:t>种不同的</a:t>
+            </a:r>
+            <a:r>
+              <a:rPr lang="en-US" altLang="zh-CN" sz="1600"/>
+              <a:t>style</a:t>
+            </a:r>
+            <a:r>
+              <a:rPr lang="zh-CN" altLang="en-US" sz="1600"/>
+              <a:t>，很难涵盖人类的动作风格集合。近期的工作大多数是简易</a:t>
+            </a:r>
+            <a:r>
+              <a:rPr lang="en-US" altLang="zh-CN" sz="1600"/>
+              <a:t>style</a:t>
+            </a:r>
+            <a:r>
+              <a:rPr lang="zh-CN" altLang="en-US" sz="1600"/>
+              <a:t>的输入（比如文本或者动作序列），且模型难以捕捉细粒度的动作特点，比如运动幅度，运动夸张程度，以及个人习惯。这样难以学到复杂且细粒度的风格。举个例子，如果给定的</a:t>
+            </a:r>
+            <a:r>
+              <a:rPr lang="en-US" altLang="zh-CN" sz="1600"/>
+              <a:t>source motion</a:t>
+            </a:r>
+            <a:r>
+              <a:rPr lang="zh-CN" altLang="en-US" sz="1600"/>
+              <a:t>是正常走路，同时提供一个迈克尔</a:t>
+            </a:r>
+            <a:r>
+              <a:rPr lang="en-US" altLang="zh-CN" sz="1600"/>
+              <a:t>·</a:t>
+            </a:r>
+            <a:r>
+              <a:rPr lang="zh-CN" altLang="en-US" sz="1600"/>
+              <a:t>杰克逊的运动视频，那么现有的模型难以让生成的视频体现出迈克尔</a:t>
+            </a:r>
+            <a:r>
+              <a:rPr lang="en-US" altLang="zh-CN" sz="1600"/>
+              <a:t>·</a:t>
+            </a:r>
+            <a:r>
+              <a:rPr lang="zh-CN" altLang="en-US" sz="1600"/>
+              <a:t>杰克逊的风格化。</a:t>
+            </a:r>
+            <a:endParaRPr lang="en-US" altLang="zh-CN" sz="1600"/>
+          </a:p>
+          <a:p>
+            <a:pPr marL="285750" indent="-285750">
+              <a:lnSpc>
+                <a:spcPct val="150000"/>
+              </a:lnSpc>
+              <a:buFontTx/>
+              <a:buChar char="-"/>
+            </a:pPr>
+            <a:r>
+              <a:rPr lang="zh-CN" altLang="en-US" sz="1600"/>
+              <a:t>（</a:t>
+            </a:r>
+            <a:r>
+              <a:rPr lang="en-US" altLang="zh-CN" sz="1600"/>
+              <a:t>2</a:t>
+            </a:r>
+            <a:r>
+              <a:rPr lang="zh-CN" altLang="en-US" sz="1600"/>
+              <a:t>）（</a:t>
+            </a:r>
+            <a:r>
+              <a:rPr lang="zh-CN" altLang="en-US" sz="1600" b="1">
+                <a:solidFill>
+                  <a:srgbClr val="FF0000"/>
+                </a:solidFill>
+              </a:rPr>
+              <a:t>重点</a:t>
+            </a:r>
+            <a:r>
+              <a:rPr lang="zh-CN" altLang="en-US" sz="1600"/>
+              <a:t>）很多时候，我们希望依据场景来进行风格化，而这部分的工作目前是缺失的。由艺术家</a:t>
+            </a:r>
+            <a:r>
+              <a:rPr lang="en-US" altLang="zh-CN" sz="1600"/>
+              <a:t>/</a:t>
+            </a:r>
+            <a:r>
+              <a:rPr lang="zh-CN" altLang="en-US" sz="1600"/>
+              <a:t>设计师来手动指定详细且细粒度的风格是不现实的，且很多动作的风格具备局部的复杂性。举个例子，如果我是下雨</a:t>
+            </a:r>
+            <a:r>
+              <a:rPr lang="en-US" altLang="zh-CN" sz="1600"/>
+              <a:t>+</a:t>
+            </a:r>
+            <a:r>
+              <a:rPr lang="zh-CN" altLang="en-US" sz="1600"/>
+              <a:t>刮大风的场景，那么人类的运动风格应当是下半身尽量保持稳定，但上半身会不稳定（可以举其他类似的例子）；我们的工作同时可以将场景信息用于风格化的训练，使得用户可以通过场景切换来隐式实现风格化。</a:t>
+            </a:r>
+          </a:p>
+        </p:txBody>
+      </p:sp>
+    </p:spTree>
+    <p:extLst>
+      <p:ext uri="{BB962C8B-B14F-4D97-AF65-F5344CB8AC3E}">
+        <p14:creationId xmlns:p14="http://schemas.microsoft.com/office/powerpoint/2010/main" val="3044540217"/>
+      </p:ext>
+    </p:extLst>
+  </p:cSld>
+  <p:clrMapOvr>
+    <a:masterClrMapping/>
+  </p:clrMapOvr>
+</p:sld>
+</file>
+
+<file path=ppt/slides/slide6.xml><?xml version="1.0" encoding="utf-8"?>
+<p:sld xmlns:a="http://schemas.openxmlformats.org/drawingml/2006/main" xmlns:r="http://schemas.openxmlformats.org/officeDocument/2006/relationships" xmlns:p="http://schemas.openxmlformats.org/presentationml/2006/main">
+  <p:cSld>
+    <p:spTree>
+      <p:nvGrpSpPr>
+        <p:cNvPr id="1" name=""/>
+        <p:cNvGrpSpPr/>
+        <p:nvPr/>
+      </p:nvGrpSpPr>
+      <p:grpSpPr>
+        <a:xfrm>
+          <a:off x="0" y="0"/>
+          <a:ext cx="0" cy="0"/>
+          <a:chOff x="0" y="0"/>
+          <a:chExt cx="0" cy="0"/>
+        </a:xfrm>
+      </p:grpSpPr>
+      <p:sp>
+        <p:nvSpPr>
+          <p:cNvPr id="2" name="标题 1">
+            <a:extLst>
+              <a:ext uri="{FF2B5EF4-FFF2-40B4-BE49-F238E27FC236}">
+                <a16:creationId xmlns:a16="http://schemas.microsoft.com/office/drawing/2014/main" id="{77657C8B-9AEF-2E9A-6611-FC5109DABF87}"/>
+              </a:ext>
+            </a:extLst>
+          </p:cNvPr>
+          <p:cNvSpPr>
+            <a:spLocks noGrp="1"/>
+          </p:cNvSpPr>
+          <p:nvPr>
+            <p:ph type="title"/>
+          </p:nvPr>
+        </p:nvSpPr>
+        <p:spPr/>
+        <p:txBody>
+          <a:bodyPr>
+            <a:normAutofit/>
+          </a:bodyPr>
+          <a:lstStyle/>
+          <a:p>
+            <a:r>
+              <a:rPr lang="en-US" altLang="zh-CN" sz="3600" b="1"/>
+              <a:t>2025.5.22 </a:t>
+            </a:r>
+            <a:r>
+              <a:rPr lang="zh-CN" altLang="en-US" sz="3600" b="1"/>
+              <a:t>基本</a:t>
+            </a:r>
+            <a:r>
+              <a:rPr lang="en-US" altLang="zh-CN" sz="3600" b="1"/>
+              <a:t>pipeline</a:t>
+            </a:r>
+            <a:r>
+              <a:rPr lang="zh-CN" altLang="en-US" sz="3600" b="1"/>
+              <a:t>和创新点</a:t>
+            </a:r>
+          </a:p>
+        </p:txBody>
+      </p:sp>
+      <p:sp>
+        <p:nvSpPr>
+          <p:cNvPr id="4" name="文本框 3">
+            <a:extLst>
+              <a:ext uri="{FF2B5EF4-FFF2-40B4-BE49-F238E27FC236}">
+                <a16:creationId xmlns:a16="http://schemas.microsoft.com/office/drawing/2014/main" id="{36600130-C3A3-79B9-1698-C36A67818CCF}"/>
+              </a:ext>
+            </a:extLst>
+          </p:cNvPr>
+          <p:cNvSpPr txBox="1"/>
+          <p:nvPr/>
+        </p:nvSpPr>
+        <p:spPr>
+          <a:xfrm>
+            <a:off x="838200" y="1690688"/>
+            <a:ext cx="10292542" cy="2308324"/>
+          </a:xfrm>
+          <a:prstGeom prst="rect">
+            <a:avLst/>
+          </a:prstGeom>
+          <a:noFill/>
+        </p:spPr>
+        <p:txBody>
+          <a:bodyPr wrap="square" rtlCol="0">
+            <a:spAutoFit/>
+          </a:bodyPr>
+          <a:lstStyle/>
+          <a:p>
+            <a:r>
+              <a:rPr lang="en-US" altLang="zh-CN"/>
+              <a:t>1.</a:t>
+            </a:r>
+            <a:r>
+              <a:rPr lang="zh-CN" altLang="en-US"/>
+              <a:t>数据集：</a:t>
+            </a:r>
+            <a:r>
+              <a:rPr lang="en-US" altLang="zh-CN"/>
+              <a:t>HumanML3D</a:t>
+            </a:r>
+            <a:r>
+              <a:rPr lang="zh-CN" altLang="en-US"/>
+              <a:t>数据集（大家都用）</a:t>
+            </a:r>
+            <a:r>
+              <a:rPr lang="en-US" altLang="zh-CN"/>
+              <a:t>+ Style100</a:t>
+            </a:r>
+            <a:r>
+              <a:rPr lang="zh-CN" altLang="en-US"/>
+              <a:t>数据集（做风格化的，近期工作用的较多。）</a:t>
+            </a:r>
+            <a:endParaRPr lang="en-US" altLang="zh-CN"/>
+          </a:p>
+          <a:p>
+            <a:endParaRPr lang="en-US" altLang="zh-CN"/>
+          </a:p>
+          <a:p>
+            <a:endParaRPr lang="en-US" altLang="zh-CN"/>
+          </a:p>
+          <a:p>
+            <a:r>
+              <a:rPr lang="zh-CN" altLang="en-US"/>
+              <a:t>思考：对于场景来说，现有的数据集不支持，可以在网络上爬取一些视频资源</a:t>
+            </a:r>
+            <a:r>
+              <a:rPr lang="en-US" altLang="zh-CN"/>
+              <a:t>+</a:t>
+            </a:r>
+            <a:r>
+              <a:rPr lang="zh-CN" altLang="en-US"/>
+              <a:t>动作提取，后面会说。</a:t>
+            </a:r>
+            <a:endParaRPr lang="en-US" altLang="zh-CN"/>
+          </a:p>
+          <a:p>
+            <a:endParaRPr lang="en-US" altLang="zh-CN"/>
+          </a:p>
+          <a:p>
+            <a:r>
+              <a:rPr lang="en-US" altLang="zh-CN"/>
+              <a:t>2.Step 1</a:t>
+            </a:r>
+            <a:r>
+              <a:rPr lang="zh-CN" altLang="en-US"/>
+              <a:t>：</a:t>
+            </a:r>
+            <a:r>
+              <a:rPr lang="zh-CN" altLang="en-US" b="1">
+                <a:solidFill>
+                  <a:srgbClr val="FF0000"/>
+                </a:solidFill>
+              </a:rPr>
+              <a:t>对比学习</a:t>
+            </a:r>
+            <a:endParaRPr lang="en-US" altLang="zh-CN" b="1">
+              <a:solidFill>
+                <a:srgbClr val="FF0000"/>
+              </a:solidFill>
+            </a:endParaRPr>
+          </a:p>
+          <a:p>
+            <a:r>
+              <a:rPr lang="zh-CN" altLang="en-US"/>
+              <a:t>互联网上有非常多的动作风格视频资源，难以用简单的类别来分类，我们希望能够通过对比学习，让网络学习到没见过的风格：</a:t>
+            </a:r>
+          </a:p>
+        </p:txBody>
+      </p:sp>
+      <p:sp>
+        <p:nvSpPr>
+          <p:cNvPr id="6" name="文本框 5">
+            <a:extLst>
+              <a:ext uri="{FF2B5EF4-FFF2-40B4-BE49-F238E27FC236}">
+                <a16:creationId xmlns:a16="http://schemas.microsoft.com/office/drawing/2014/main" id="{C21C683E-DA77-2472-C928-DC3E6A72E868}"/>
+              </a:ext>
+            </a:extLst>
+          </p:cNvPr>
+          <p:cNvSpPr txBox="1"/>
+          <p:nvPr/>
+        </p:nvSpPr>
+        <p:spPr>
+          <a:xfrm>
+            <a:off x="3397827" y="2060020"/>
+            <a:ext cx="6097384" cy="646331"/>
+          </a:xfrm>
+          <a:prstGeom prst="rect">
+            <a:avLst/>
+          </a:prstGeom>
+          <a:noFill/>
+        </p:spPr>
+        <p:txBody>
+          <a:bodyPr wrap="square">
+            <a:spAutoFit/>
+          </a:bodyPr>
+          <a:lstStyle/>
+          <a:p>
+            <a:r>
+              <a:rPr lang="zh-CN" altLang="en-US">
+                <a:hlinkClick r:id="rId2"/>
+              </a:rPr>
+              <a:t>https://www.ianxmason.com/100style/</a:t>
+            </a:r>
+            <a:endParaRPr lang="en-US" altLang="zh-CN"/>
+          </a:p>
+          <a:p>
+            <a:endParaRPr lang="zh-CN" altLang="en-US"/>
+          </a:p>
+        </p:txBody>
+      </p:sp>
+      <p:sp>
+        <p:nvSpPr>
+          <p:cNvPr id="9" name="文本框 8">
+            <a:extLst>
+              <a:ext uri="{FF2B5EF4-FFF2-40B4-BE49-F238E27FC236}">
+                <a16:creationId xmlns:a16="http://schemas.microsoft.com/office/drawing/2014/main" id="{F66743BA-AF5A-E0B5-FDFF-A2D3E572938D}"/>
+              </a:ext>
+            </a:extLst>
+          </p:cNvPr>
+          <p:cNvSpPr txBox="1"/>
+          <p:nvPr/>
+        </p:nvSpPr>
+        <p:spPr>
+          <a:xfrm>
+            <a:off x="1697529" y="4108857"/>
+            <a:ext cx="8402435" cy="2431435"/>
+          </a:xfrm>
+          <a:prstGeom prst="rect">
+            <a:avLst/>
+          </a:prstGeom>
+          <a:noFill/>
+        </p:spPr>
+        <p:txBody>
+          <a:bodyPr wrap="square">
+            <a:spAutoFit/>
+          </a:bodyPr>
+          <a:lstStyle/>
+          <a:p>
+            <a:pPr algn="l">
+              <a:spcBef>
+                <a:spcPts val="1800"/>
+              </a:spcBef>
+              <a:spcAft>
+                <a:spcPts val="1200"/>
+              </a:spcAft>
+              <a:buNone/>
+            </a:pPr>
+            <a:r>
+              <a:rPr lang="en-US" altLang="zh-CN" sz="1400" b="1" i="0">
+                <a:solidFill>
+                  <a:srgbClr val="232D36"/>
+                </a:solidFill>
+                <a:effectLst/>
+                <a:latin typeface="PingFang SC"/>
+              </a:rPr>
+              <a:t>(1) </a:t>
+            </a:r>
+            <a:r>
+              <a:rPr lang="zh-CN" altLang="en-US" sz="1400" b="1" i="0">
+                <a:solidFill>
+                  <a:srgbClr val="232D36"/>
+                </a:solidFill>
+                <a:effectLst/>
+                <a:latin typeface="PingFang SC"/>
+              </a:rPr>
+              <a:t>优势分析</a:t>
+            </a:r>
+          </a:p>
+          <a:p>
+            <a:pPr algn="l">
+              <a:spcAft>
+                <a:spcPts val="1200"/>
+              </a:spcAft>
+              <a:buNone/>
+            </a:pPr>
+            <a:r>
+              <a:rPr lang="zh-CN" altLang="en-US" sz="1400" b="0" i="0">
+                <a:solidFill>
+                  <a:srgbClr val="232D36"/>
+                </a:solidFill>
+                <a:effectLst/>
+                <a:latin typeface="PingFang SC"/>
+              </a:rPr>
+              <a:t>对比学习在编码</a:t>
+            </a:r>
+            <a:r>
+              <a:rPr lang="zh-CN" altLang="en-US" sz="1400" b="1" i="0">
+                <a:solidFill>
+                  <a:srgbClr val="232D36"/>
+                </a:solidFill>
+                <a:effectLst/>
+                <a:latin typeface="PingFang SC"/>
+              </a:rPr>
+              <a:t>未见风格</a:t>
+            </a:r>
+            <a:r>
+              <a:rPr lang="zh-CN" altLang="en-US" sz="1400" b="0" i="0">
+                <a:solidFill>
+                  <a:srgbClr val="232D36"/>
+                </a:solidFill>
+                <a:effectLst/>
+                <a:latin typeface="PingFang SC"/>
+              </a:rPr>
+              <a:t>时可能具有优势，原因如下：</a:t>
+            </a:r>
+          </a:p>
+          <a:p>
+            <a:pPr algn="l">
+              <a:spcAft>
+                <a:spcPts val="1200"/>
+              </a:spcAft>
+              <a:buFont typeface="Arial" panose="020B0604020202020204" pitchFamily="34" charset="0"/>
+              <a:buChar char="•"/>
+            </a:pPr>
+            <a:r>
+              <a:rPr lang="zh-CN" altLang="en-US" sz="1400" b="1" i="0">
+                <a:solidFill>
+                  <a:srgbClr val="232D36"/>
+                </a:solidFill>
+                <a:effectLst/>
+                <a:latin typeface="PingFang SC"/>
+              </a:rPr>
+              <a:t>特征空间泛化性</a:t>
+            </a:r>
+            <a:r>
+              <a:rPr lang="zh-CN" altLang="en-US" sz="1400" b="0" i="0">
+                <a:solidFill>
+                  <a:srgbClr val="232D36"/>
+                </a:solidFill>
+                <a:effectLst/>
+                <a:latin typeface="PingFang SC"/>
+              </a:rPr>
+              <a:t>：对比学习通过拉近正样本（同风格）、推开负样本（不同风格），迫使编码器学习</a:t>
+            </a:r>
+            <a:r>
+              <a:rPr lang="zh-CN" altLang="en-US" sz="1400" b="1" i="0">
+                <a:solidFill>
+                  <a:srgbClr val="232D36"/>
+                </a:solidFill>
+                <a:effectLst/>
+                <a:latin typeface="PingFang SC"/>
+              </a:rPr>
+              <a:t>风格的本质特征</a:t>
+            </a:r>
+            <a:r>
+              <a:rPr lang="zh-CN" altLang="en-US" sz="1400" b="0" i="0">
+                <a:solidFill>
+                  <a:srgbClr val="232D36"/>
+                </a:solidFill>
+                <a:effectLst/>
+                <a:latin typeface="PingFang SC"/>
+              </a:rPr>
+              <a:t>（如运动频率、幅度分布），而非简单记忆训练集风格。</a:t>
+            </a:r>
+          </a:p>
+          <a:p>
+            <a:pPr marL="742950" lvl="1" indent="-285750" algn="l">
+              <a:spcAft>
+                <a:spcPts val="1200"/>
+              </a:spcAft>
+              <a:buFont typeface="Arial" panose="020B0604020202020204" pitchFamily="34" charset="0"/>
+              <a:buChar char="•"/>
+            </a:pPr>
+            <a:r>
+              <a:rPr lang="zh-CN" altLang="en-US" sz="1400" b="0" i="1">
+                <a:solidFill>
+                  <a:srgbClr val="232D36"/>
+                </a:solidFill>
+                <a:effectLst/>
+                <a:latin typeface="PingFang SC"/>
+              </a:rPr>
+              <a:t>例如</a:t>
+            </a:r>
+            <a:r>
+              <a:rPr lang="zh-CN" altLang="en-US" sz="1400" b="0" i="0">
+                <a:solidFill>
+                  <a:srgbClr val="232D36"/>
+                </a:solidFill>
+                <a:effectLst/>
+                <a:latin typeface="PingFang SC"/>
+              </a:rPr>
+              <a:t>：训练集有“优雅”和“僵硬”风格，测试时输入“慵懒”视频，编码器可能捕捉到“低频率</a:t>
+            </a:r>
+            <a:r>
+              <a:rPr lang="en-US" altLang="zh-CN" sz="1400" b="0" i="0">
+                <a:solidFill>
+                  <a:srgbClr val="232D36"/>
+                </a:solidFill>
+                <a:effectLst/>
+                <a:latin typeface="PingFang SC"/>
+              </a:rPr>
+              <a:t>+</a:t>
+            </a:r>
+            <a:r>
+              <a:rPr lang="zh-CN" altLang="en-US" sz="1400" b="0" i="0">
+                <a:solidFill>
+                  <a:srgbClr val="232D36"/>
+                </a:solidFill>
+                <a:effectLst/>
+                <a:latin typeface="PingFang SC"/>
+              </a:rPr>
+              <a:t>大幅度”的共性特征，泛化出合理编码。</a:t>
+            </a:r>
+          </a:p>
+          <a:p>
+            <a:pPr algn="l">
+              <a:spcAft>
+                <a:spcPts val="1200"/>
+              </a:spcAft>
+              <a:buFont typeface="Arial" panose="020B0604020202020204" pitchFamily="34" charset="0"/>
+              <a:buChar char="•"/>
+            </a:pPr>
+            <a:r>
+              <a:rPr lang="zh-CN" altLang="en-US" sz="1400" b="1" i="0">
+                <a:solidFill>
+                  <a:srgbClr val="232D36"/>
+                </a:solidFill>
+                <a:effectLst/>
+                <a:latin typeface="PingFang SC"/>
+              </a:rPr>
+              <a:t>无监督适应性</a:t>
+            </a:r>
+            <a:r>
+              <a:rPr lang="zh-CN" altLang="en-US" sz="1400" b="0" i="0">
+                <a:solidFill>
+                  <a:srgbClr val="232D36"/>
+                </a:solidFill>
+                <a:effectLst/>
+                <a:latin typeface="PingFang SC"/>
+              </a:rPr>
+              <a:t>：若对比学习的负样本足够多样（如跨数据集采样），编码器会更关注</a:t>
+            </a:r>
+            <a:r>
+              <a:rPr lang="zh-CN" altLang="en-US" sz="1400" b="1" i="0">
+                <a:solidFill>
+                  <a:srgbClr val="232D36"/>
+                </a:solidFill>
+                <a:effectLst/>
+                <a:latin typeface="PingFang SC"/>
+              </a:rPr>
+              <a:t>相对差异</a:t>
+            </a:r>
+            <a:r>
+              <a:rPr lang="zh-CN" altLang="en-US" sz="1400" b="0" i="0">
+                <a:solidFill>
+                  <a:srgbClr val="232D36"/>
+                </a:solidFill>
+                <a:effectLst/>
+                <a:latin typeface="PingFang SC"/>
+              </a:rPr>
+              <a:t>而非绝对标签，对未见风格更鲁棒。</a:t>
+            </a:r>
+          </a:p>
+        </p:txBody>
+      </p:sp>
+    </p:spTree>
+    <p:extLst>
+      <p:ext uri="{BB962C8B-B14F-4D97-AF65-F5344CB8AC3E}">
+        <p14:creationId xmlns:p14="http://schemas.microsoft.com/office/powerpoint/2010/main" val="1533403448"/>
+      </p:ext>
+    </p:extLst>
+  </p:cSld>
+  <p:clrMapOvr>
+    <a:masterClrMapping/>
+  </p:clrMapOvr>
+</p:sld>
+</file>
+
+<file path=ppt/slides/slide7.xml><?xml version="1.0" encoding="utf-8"?>
+<p:sld xmlns:a="http://schemas.openxmlformats.org/drawingml/2006/main" xmlns:r="http://schemas.openxmlformats.org/officeDocument/2006/relationships" xmlns:p="http://schemas.openxmlformats.org/presentationml/2006/main">
+  <p:cSld>
+    <p:spTree>
+      <p:nvGrpSpPr>
+        <p:cNvPr id="1" name="">
+          <a:extLst>
+            <a:ext uri="{FF2B5EF4-FFF2-40B4-BE49-F238E27FC236}">
+              <a16:creationId xmlns:a16="http://schemas.microsoft.com/office/drawing/2014/main" id="{6388EE93-9CBC-F0DB-D0C1-BE9BCCD8B5A8}"/>
+            </a:ext>
+          </a:extLst>
+        </p:cNvPr>
+        <p:cNvGrpSpPr/>
+        <p:nvPr/>
+      </p:nvGrpSpPr>
+      <p:grpSpPr>
+        <a:xfrm>
+          <a:off x="0" y="0"/>
+          <a:ext cx="0" cy="0"/>
+          <a:chOff x="0" y="0"/>
+          <a:chExt cx="0" cy="0"/>
+        </a:xfrm>
+      </p:grpSpPr>
+      <p:sp>
+        <p:nvSpPr>
+          <p:cNvPr id="2" name="标题 1">
+            <a:extLst>
+              <a:ext uri="{FF2B5EF4-FFF2-40B4-BE49-F238E27FC236}">
+                <a16:creationId xmlns:a16="http://schemas.microsoft.com/office/drawing/2014/main" id="{25D745DC-CE6B-8267-A177-4A0E2AFBCAC1}"/>
+              </a:ext>
+            </a:extLst>
+          </p:cNvPr>
+          <p:cNvSpPr>
+            <a:spLocks noGrp="1"/>
+          </p:cNvSpPr>
+          <p:nvPr>
+            <p:ph type="title"/>
+          </p:nvPr>
+        </p:nvSpPr>
+        <p:spPr/>
+        <p:txBody>
+          <a:bodyPr>
+            <a:normAutofit/>
+          </a:bodyPr>
+          <a:lstStyle/>
+          <a:p>
+            <a:r>
+              <a:rPr lang="en-US" altLang="zh-CN" sz="3600" b="1"/>
+              <a:t>2025.5.22 </a:t>
+            </a:r>
+            <a:r>
+              <a:rPr lang="zh-CN" altLang="en-US" sz="3600" b="1"/>
+              <a:t>基本</a:t>
+            </a:r>
+            <a:r>
+              <a:rPr lang="en-US" altLang="zh-CN" sz="3600" b="1"/>
+              <a:t>pipeline</a:t>
+            </a:r>
+            <a:r>
+              <a:rPr lang="zh-CN" altLang="en-US" sz="3600" b="1"/>
+              <a:t>和创新点</a:t>
+            </a:r>
+          </a:p>
+        </p:txBody>
+      </p:sp>
+    </p:spTree>
+    <p:extLst>
+      <p:ext uri="{BB962C8B-B14F-4D97-AF65-F5344CB8AC3E}">
+        <p14:creationId xmlns:p14="http://schemas.microsoft.com/office/powerpoint/2010/main" val="3855647242"/>
+      </p:ext>
+    </p:extLst>
+  </p:cSld>
+  <p:clrMapOvr>
+    <a:masterClrMapping/>
+  </p:clrMapOvr>
+</p:sld>
+</file>
+
 <file path=ppt/theme/theme1.xml><?xml version="1.0" encoding="utf-8"?>
 <a:theme xmlns:a="http://schemas.openxmlformats.org/drawingml/2006/main" name="Office 主题​​">
   <a:themeElements>
